--- a/カトモ.pptx
+++ b/カトモ.pptx
@@ -9,7 +9,10 @@
     <p:sldId id="257" r:id="rId3"/>
     <p:sldId id="258" r:id="rId4"/>
     <p:sldId id="259" r:id="rId5"/>
-    <p:sldId id="260" r:id="rId6"/>
+    <p:sldId id="261" r:id="rId6"/>
+    <p:sldId id="262" r:id="rId7"/>
+    <p:sldId id="263" r:id="rId8"/>
+    <p:sldId id="260" r:id="rId9"/>
   </p:sldIdLst>
   <p:sldSz cx="12192000" cy="6858000"/>
   <p:notesSz cx="6858000" cy="9144000"/>
@@ -255,7 +258,7 @@
           <a:p>
             <a:fld id="{48A87A34-81AB-432B-8DAE-1953F412C126}" type="datetimeFigureOut">
               <a:rPr lang="en-US" smtClean="0"/>
-              <a:t>6/20/18</a:t>
+              <a:t>6/20/2018</a:t>
             </a:fld>
             <a:endParaRPr lang="en-US" dirty="0"/>
           </a:p>
@@ -474,7 +477,7 @@
           <a:p>
             <a:fld id="{48A87A34-81AB-432B-8DAE-1953F412C126}" type="datetimeFigureOut">
               <a:rPr lang="en-US" smtClean="0"/>
-              <a:t>6/20/18</a:t>
+              <a:t>6/20/2018</a:t>
             </a:fld>
             <a:endParaRPr lang="en-US" dirty="0"/>
           </a:p>
@@ -697,7 +700,7 @@
           <a:p>
             <a:fld id="{48A87A34-81AB-432B-8DAE-1953F412C126}" type="datetimeFigureOut">
               <a:rPr lang="en-US" smtClean="0"/>
-              <a:t>6/20/18</a:t>
+              <a:t>6/20/2018</a:t>
             </a:fld>
             <a:endParaRPr lang="en-US" dirty="0"/>
           </a:p>
@@ -906,7 +909,7 @@
           <a:p>
             <a:fld id="{48A87A34-81AB-432B-8DAE-1953F412C126}" type="datetimeFigureOut">
               <a:rPr lang="en-US" smtClean="0"/>
-              <a:t>6/20/18</a:t>
+              <a:t>6/20/2018</a:t>
             </a:fld>
             <a:endParaRPr lang="en-US" dirty="0"/>
           </a:p>
@@ -1222,7 +1225,7 @@
           <a:p>
             <a:fld id="{48A87A34-81AB-432B-8DAE-1953F412C126}" type="datetimeFigureOut">
               <a:rPr lang="en-US" smtClean="0"/>
-              <a:t>6/20/18</a:t>
+              <a:t>6/20/2018</a:t>
             </a:fld>
             <a:endParaRPr lang="en-US" dirty="0"/>
           </a:p>
@@ -1506,7 +1509,7 @@
           <a:p>
             <a:fld id="{48A87A34-81AB-432B-8DAE-1953F412C126}" type="datetimeFigureOut">
               <a:rPr lang="en-US" smtClean="0"/>
-              <a:t>6/20/18</a:t>
+              <a:t>6/20/2018</a:t>
             </a:fld>
             <a:endParaRPr lang="en-US" dirty="0"/>
           </a:p>
@@ -2013,7 +2016,7 @@
             <a:fld id="{48A87A34-81AB-432B-8DAE-1953F412C126}" type="datetimeFigureOut">
               <a:rPr lang="en-US" smtClean="0"/>
               <a:pPr/>
-              <a:t>6/20/18</a:t>
+              <a:t>6/20/2018</a:t>
             </a:fld>
             <a:endParaRPr lang="en-US" dirty="0"/>
           </a:p>
@@ -2163,7 +2166,7 @@
           <a:p>
             <a:fld id="{48A87A34-81AB-432B-8DAE-1953F412C126}" type="datetimeFigureOut">
               <a:rPr lang="en-US" smtClean="0"/>
-              <a:t>6/20/18</a:t>
+              <a:t>6/20/2018</a:t>
             </a:fld>
             <a:endParaRPr lang="en-US" dirty="0"/>
           </a:p>
@@ -2289,7 +2292,7 @@
           <a:p>
             <a:fld id="{48A87A34-81AB-432B-8DAE-1953F412C126}" type="datetimeFigureOut">
               <a:rPr lang="en-US" smtClean="0"/>
-              <a:t>6/20/18</a:t>
+              <a:t>6/20/2018</a:t>
             </a:fld>
             <a:endParaRPr lang="en-US" dirty="0"/>
           </a:p>
@@ -2585,7 +2588,7 @@
           <a:p>
             <a:fld id="{48A87A34-81AB-432B-8DAE-1953F412C126}" type="datetimeFigureOut">
               <a:rPr lang="en-US" smtClean="0"/>
-              <a:t>6/20/18</a:t>
+              <a:t>6/20/2018</a:t>
             </a:fld>
             <a:endParaRPr lang="en-US" dirty="0"/>
           </a:p>
@@ -3068,7 +3071,7 @@
             <a:fld id="{48A87A34-81AB-432B-8DAE-1953F412C126}" type="datetimeFigureOut">
               <a:rPr lang="en-US" smtClean="0"/>
               <a:pPr/>
-              <a:t>6/20/18</a:t>
+              <a:t>6/20/2018</a:t>
             </a:fld>
             <a:endParaRPr lang="en-US" dirty="0"/>
           </a:p>
@@ -3395,7 +3398,7 @@
             <a:fld id="{48A87A34-81AB-432B-8DAE-1953F412C126}" type="datetimeFigureOut">
               <a:rPr lang="en-US" smtClean="0"/>
               <a:pPr/>
-              <a:t>6/20/18</a:t>
+              <a:t>6/20/2018</a:t>
             </a:fld>
             <a:endParaRPr lang="en-US" dirty="0"/>
           </a:p>
@@ -4367,6 +4370,432 @@
           <p:cNvPr id="2" name="タイトル 1">
             <a:extLst>
               <a:ext uri="{FF2B5EF4-FFF2-40B4-BE49-F238E27FC236}">
+                <a16:creationId xmlns:a16="http://schemas.microsoft.com/office/drawing/2014/main" id="{AEB03F79-15F0-4E1C-BCDC-660F31E7DD4B}"/>
+              </a:ext>
+            </a:extLst>
+          </p:cNvPr>
+          <p:cNvSpPr>
+            <a:spLocks noGrp="1"/>
+          </p:cNvSpPr>
+          <p:nvPr>
+            <p:ph type="title"/>
+          </p:nvPr>
+        </p:nvSpPr>
+        <p:spPr/>
+        <p:txBody>
+          <a:bodyPr/>
+          <a:lstStyle/>
+          <a:p>
+            <a:r>
+              <a:rPr kumimoji="1" lang="ja-JP" altLang="en-US" dirty="0"/>
+              <a:t>今回の反省点と対策</a:t>
+            </a:r>
+          </a:p>
+        </p:txBody>
+      </p:sp>
+      <p:sp>
+        <p:nvSpPr>
+          <p:cNvPr id="3" name="コンテンツ プレースホルダー 2">
+            <a:extLst>
+              <a:ext uri="{FF2B5EF4-FFF2-40B4-BE49-F238E27FC236}">
+                <a16:creationId xmlns:a16="http://schemas.microsoft.com/office/drawing/2014/main" id="{C41A2CFB-7853-4BC8-923D-CCD9FA9F4653}"/>
+              </a:ext>
+            </a:extLst>
+          </p:cNvPr>
+          <p:cNvSpPr>
+            <a:spLocks noGrp="1"/>
+          </p:cNvSpPr>
+          <p:nvPr>
+            <p:ph idx="1"/>
+          </p:nvPr>
+        </p:nvSpPr>
+        <p:spPr/>
+        <p:txBody>
+          <a:bodyPr>
+            <a:normAutofit lnSpcReduction="10000"/>
+          </a:bodyPr>
+          <a:lstStyle/>
+          <a:p>
+            <a:r>
+              <a:rPr lang="ja-JP" altLang="en-US" dirty="0"/>
+              <a:t>画面数が多く、</a:t>
+            </a:r>
+            <a:r>
+              <a:rPr lang="en-US" altLang="ja-JP" dirty="0"/>
+              <a:t>3</a:t>
+            </a:r>
+            <a:r>
+              <a:rPr lang="ja-JP" altLang="en-US" dirty="0"/>
+              <a:t>人で手分けして作成したら</a:t>
+            </a:r>
+            <a:r>
+              <a:rPr lang="en-US" altLang="ja-JP" dirty="0"/>
+              <a:t>form</a:t>
+            </a:r>
+            <a:r>
+              <a:rPr lang="ja-JP" altLang="en-US" dirty="0"/>
+              <a:t>タグや</a:t>
+            </a:r>
+            <a:r>
+              <a:rPr lang="en-US" altLang="ja-JP" dirty="0"/>
+              <a:t>input</a:t>
+            </a:r>
+            <a:r>
+              <a:rPr lang="ja-JP" altLang="en-US" dirty="0"/>
+              <a:t>タグの位置ずれ等起こった（そもそもどう配置すればいいのか理解していなかった）</a:t>
+            </a:r>
+            <a:endParaRPr lang="en-US" altLang="ja-JP" dirty="0"/>
+          </a:p>
+          <a:p>
+            <a:pPr lvl="1"/>
+            <a:r>
+              <a:rPr lang="ja-JP" altLang="en-US" dirty="0"/>
+              <a:t>実力の無さがよく分かったので、次回はメンターに媚び媚びで開発しないと迷惑かけまくる</a:t>
+            </a:r>
+            <a:endParaRPr kumimoji="1" lang="en-US" altLang="ja-JP" dirty="0"/>
+          </a:p>
+          <a:p>
+            <a:r>
+              <a:rPr kumimoji="1" lang="ja-JP" altLang="en-US" dirty="0"/>
+              <a:t>デザインの統一性（ボタン配置・表示画面と編集画面の違い、</a:t>
+            </a:r>
+            <a:r>
+              <a:rPr kumimoji="1" lang="en-US" altLang="ja-JP" dirty="0"/>
+              <a:t>CSS</a:t>
+            </a:r>
+            <a:r>
+              <a:rPr kumimoji="1" lang="ja-JP" altLang="en-US" dirty="0"/>
+              <a:t>か</a:t>
+            </a:r>
+            <a:r>
+              <a:rPr kumimoji="1" lang="en-US" altLang="ja-JP" dirty="0"/>
+              <a:t>style</a:t>
+            </a:r>
+            <a:r>
+              <a:rPr kumimoji="1" lang="ja-JP" altLang="en-US" dirty="0"/>
+              <a:t>で書くか等）が取れていなかった</a:t>
+            </a:r>
+            <a:endParaRPr lang="en-US" altLang="ja-JP" dirty="0"/>
+          </a:p>
+          <a:p>
+            <a:pPr lvl="1"/>
+            <a:r>
+              <a:rPr kumimoji="1" lang="ja-JP" altLang="en-US" dirty="0"/>
+              <a:t>表示、編集など連続する画面は作成者を同一人物にする</a:t>
+            </a:r>
+            <a:endParaRPr kumimoji="1" lang="en-US" altLang="ja-JP" dirty="0"/>
+          </a:p>
+          <a:p>
+            <a:pPr lvl="1"/>
+            <a:r>
+              <a:rPr lang="ja-JP" altLang="en-US" dirty="0"/>
+              <a:t>画面設計時にしっかりユーザビリティを考えるべきだった</a:t>
+            </a:r>
+            <a:endParaRPr lang="en-US" altLang="ja-JP" dirty="0"/>
+          </a:p>
+          <a:p>
+            <a:pPr lvl="1"/>
+            <a:r>
+              <a:rPr kumimoji="1" lang="ja-JP" altLang="en-US" dirty="0"/>
+              <a:t>画面作成の手順が少し分かったので、その流れをしっかり覚えて次回は気を付ける</a:t>
+            </a:r>
+            <a:endParaRPr lang="en-US" altLang="ja-JP" dirty="0"/>
+          </a:p>
+          <a:p>
+            <a:endParaRPr kumimoji="1" lang="ja-JP" altLang="en-US" dirty="0"/>
+          </a:p>
+        </p:txBody>
+      </p:sp>
+    </p:spTree>
+    <p:extLst>
+      <p:ext uri="{BB962C8B-B14F-4D97-AF65-F5344CB8AC3E}">
+        <p14:creationId xmlns:p14="http://schemas.microsoft.com/office/powerpoint/2010/main" val="3178159035"/>
+      </p:ext>
+    </p:extLst>
+  </p:cSld>
+  <p:clrMapOvr>
+    <a:masterClrMapping/>
+  </p:clrMapOvr>
+</p:sld>
+</file>
+
+<file path=ppt/slides/slide6.xml><?xml version="1.0" encoding="utf-8"?>
+<p:sld xmlns:a="http://schemas.openxmlformats.org/drawingml/2006/main" xmlns:r="http://schemas.openxmlformats.org/officeDocument/2006/relationships" xmlns:p="http://schemas.openxmlformats.org/presentationml/2006/main">
+  <p:cSld>
+    <p:spTree>
+      <p:nvGrpSpPr>
+        <p:cNvPr id="1" name=""/>
+        <p:cNvGrpSpPr/>
+        <p:nvPr/>
+      </p:nvGrpSpPr>
+      <p:grpSpPr>
+        <a:xfrm>
+          <a:off x="0" y="0"/>
+          <a:ext cx="0" cy="0"/>
+          <a:chOff x="0" y="0"/>
+          <a:chExt cx="0" cy="0"/>
+        </a:xfrm>
+      </p:grpSpPr>
+      <p:sp>
+        <p:nvSpPr>
+          <p:cNvPr id="2" name="タイトル 1">
+            <a:extLst>
+              <a:ext uri="{FF2B5EF4-FFF2-40B4-BE49-F238E27FC236}">
+                <a16:creationId xmlns:a16="http://schemas.microsoft.com/office/drawing/2014/main" id="{65898145-42CE-4E63-94AE-67B0CCE98A1F}"/>
+              </a:ext>
+            </a:extLst>
+          </p:cNvPr>
+          <p:cNvSpPr>
+            <a:spLocks noGrp="1"/>
+          </p:cNvSpPr>
+          <p:nvPr>
+            <p:ph type="title"/>
+          </p:nvPr>
+        </p:nvSpPr>
+        <p:spPr/>
+        <p:txBody>
+          <a:bodyPr/>
+          <a:lstStyle/>
+          <a:p>
+            <a:r>
+              <a:rPr kumimoji="1" lang="ja-JP" altLang="en-US" dirty="0"/>
+              <a:t>今回の反省と対策</a:t>
+            </a:r>
+          </a:p>
+        </p:txBody>
+      </p:sp>
+      <p:sp>
+        <p:nvSpPr>
+          <p:cNvPr id="3" name="コンテンツ プレースホルダー 2">
+            <a:extLst>
+              <a:ext uri="{FF2B5EF4-FFF2-40B4-BE49-F238E27FC236}">
+                <a16:creationId xmlns:a16="http://schemas.microsoft.com/office/drawing/2014/main" id="{D4117A93-0D70-4ABB-BCAE-FC846BE3327B}"/>
+              </a:ext>
+            </a:extLst>
+          </p:cNvPr>
+          <p:cNvSpPr>
+            <a:spLocks noGrp="1"/>
+          </p:cNvSpPr>
+          <p:nvPr>
+            <p:ph idx="1"/>
+          </p:nvPr>
+        </p:nvSpPr>
+        <p:spPr/>
+        <p:txBody>
+          <a:bodyPr>
+            <a:normAutofit fontScale="92500"/>
+          </a:bodyPr>
+          <a:lstStyle/>
+          <a:p>
+            <a:r>
+              <a:rPr kumimoji="1" lang="ja-JP" altLang="en-US" dirty="0"/>
+              <a:t>システム開発の流れを理解していなかった（そんな機会もありませんでしたが）</a:t>
+            </a:r>
+            <a:endParaRPr kumimoji="1" lang="en-US" altLang="ja-JP" dirty="0"/>
+          </a:p>
+          <a:p>
+            <a:pPr lvl="1"/>
+            <a:r>
+              <a:rPr kumimoji="1" lang="ja-JP" altLang="en-US" dirty="0"/>
+              <a:t>メンターと共にハッカソンに出場・学内ハッカソンの開催 出場など、開発の流れを一通り理解できる体験を自ら行うべき（学校の教育が悪い）</a:t>
+            </a:r>
+            <a:endParaRPr lang="en-US" altLang="ja-JP" dirty="0"/>
+          </a:p>
+          <a:p>
+            <a:r>
+              <a:rPr lang="ja-JP" altLang="en-US" dirty="0"/>
+              <a:t>機能との互換性を何も知らないまま画面作成していた</a:t>
+            </a:r>
+            <a:endParaRPr lang="en-US" altLang="ja-JP" dirty="0"/>
+          </a:p>
+          <a:p>
+            <a:pPr lvl="1"/>
+            <a:r>
+              <a:rPr lang="ja-JP" altLang="en-US" dirty="0"/>
+              <a:t>機能班が作成してくれたコードをしっかり理解し、機能とデザインの互換性を考えながら書けるように（最低でも見て理解できるように）復習する</a:t>
+            </a:r>
+            <a:endParaRPr lang="en-US" altLang="ja-JP" dirty="0"/>
+          </a:p>
+          <a:p>
+            <a:r>
+              <a:rPr lang="ja-JP" altLang="en-US" dirty="0"/>
+              <a:t>画面ができたと思っていたら画面が足りていなかった（</a:t>
+            </a:r>
+            <a:r>
+              <a:rPr lang="ja-JP" altLang="en-US" dirty="0" err="1"/>
+              <a:t>作る作る</a:t>
+            </a:r>
+            <a:r>
+              <a:rPr lang="ja-JP" altLang="en-US" dirty="0"/>
+              <a:t>で作ってなかった）</a:t>
+            </a:r>
+            <a:endParaRPr lang="en-US" altLang="ja-JP" dirty="0"/>
+          </a:p>
+          <a:p>
+            <a:pPr lvl="1"/>
+            <a:r>
+              <a:rPr lang="ja-JP" altLang="en-US" dirty="0"/>
+              <a:t>足りない画面が見つかった瞬間、その場で作らせる </a:t>
+            </a:r>
+            <a:r>
+              <a:rPr lang="en-US" altLang="ja-JP" dirty="0"/>
+              <a:t>or</a:t>
+            </a:r>
+            <a:r>
+              <a:rPr lang="ja-JP" altLang="en-US" dirty="0"/>
+              <a:t> 作る人を指定して期限決めて作らせる</a:t>
+            </a:r>
+            <a:endParaRPr lang="en-US" altLang="ja-JP" dirty="0"/>
+          </a:p>
+        </p:txBody>
+      </p:sp>
+    </p:spTree>
+    <p:extLst>
+      <p:ext uri="{BB962C8B-B14F-4D97-AF65-F5344CB8AC3E}">
+        <p14:creationId xmlns:p14="http://schemas.microsoft.com/office/powerpoint/2010/main" val="2290944059"/>
+      </p:ext>
+    </p:extLst>
+  </p:cSld>
+  <p:clrMapOvr>
+    <a:masterClrMapping/>
+  </p:clrMapOvr>
+</p:sld>
+</file>
+
+<file path=ppt/slides/slide7.xml><?xml version="1.0" encoding="utf-8"?>
+<p:sld xmlns:a="http://schemas.openxmlformats.org/drawingml/2006/main" xmlns:r="http://schemas.openxmlformats.org/officeDocument/2006/relationships" xmlns:p="http://schemas.openxmlformats.org/presentationml/2006/main">
+  <p:cSld>
+    <p:spTree>
+      <p:nvGrpSpPr>
+        <p:cNvPr id="1" name=""/>
+        <p:cNvGrpSpPr/>
+        <p:nvPr/>
+      </p:nvGrpSpPr>
+      <p:grpSpPr>
+        <a:xfrm>
+          <a:off x="0" y="0"/>
+          <a:ext cx="0" cy="0"/>
+          <a:chOff x="0" y="0"/>
+          <a:chExt cx="0" cy="0"/>
+        </a:xfrm>
+      </p:grpSpPr>
+      <p:sp>
+        <p:nvSpPr>
+          <p:cNvPr id="2" name="タイトル 1">
+            <a:extLst>
+              <a:ext uri="{FF2B5EF4-FFF2-40B4-BE49-F238E27FC236}">
+                <a16:creationId xmlns:a16="http://schemas.microsoft.com/office/drawing/2014/main" id="{6651F2C3-829A-45C4-91ED-A9E492F05798}"/>
+              </a:ext>
+            </a:extLst>
+          </p:cNvPr>
+          <p:cNvSpPr>
+            <a:spLocks noGrp="1"/>
+          </p:cNvSpPr>
+          <p:nvPr>
+            <p:ph type="title"/>
+          </p:nvPr>
+        </p:nvSpPr>
+        <p:spPr/>
+        <p:txBody>
+          <a:bodyPr/>
+          <a:lstStyle/>
+          <a:p>
+            <a:r>
+              <a:rPr kumimoji="1" lang="ja-JP" altLang="en-US" dirty="0"/>
+              <a:t>反省点</a:t>
+            </a:r>
+          </a:p>
+        </p:txBody>
+      </p:sp>
+      <p:sp>
+        <p:nvSpPr>
+          <p:cNvPr id="3" name="コンテンツ プレースホルダー 2">
+            <a:extLst>
+              <a:ext uri="{FF2B5EF4-FFF2-40B4-BE49-F238E27FC236}">
+                <a16:creationId xmlns:a16="http://schemas.microsoft.com/office/drawing/2014/main" id="{C7E2B8C8-69CA-4501-8189-9C2E2EB2B4C2}"/>
+              </a:ext>
+            </a:extLst>
+          </p:cNvPr>
+          <p:cNvSpPr>
+            <a:spLocks noGrp="1"/>
+          </p:cNvSpPr>
+          <p:nvPr>
+            <p:ph idx="1"/>
+          </p:nvPr>
+        </p:nvSpPr>
+        <p:spPr/>
+        <p:txBody>
+          <a:bodyPr/>
+          <a:lstStyle/>
+          <a:p>
+            <a:r>
+              <a:rPr kumimoji="1" lang="ja-JP" altLang="en-US" dirty="0"/>
+              <a:t>思い込みで作業を進めていた</a:t>
+            </a:r>
+            <a:r>
+              <a:rPr kumimoji="1" lang="en-US" altLang="ja-JP" dirty="0"/>
+              <a:t>(</a:t>
+            </a:r>
+            <a:r>
+              <a:rPr kumimoji="1" lang="ja-JP" altLang="en-US" dirty="0"/>
+              <a:t>できたと思っていたができていなかった部分が多かった。</a:t>
+            </a:r>
+            <a:r>
+              <a:rPr kumimoji="1" lang="en-US" altLang="ja-JP" dirty="0"/>
+              <a:t>)</a:t>
+            </a:r>
+          </a:p>
+          <a:p>
+            <a:r>
+              <a:rPr kumimoji="1" lang="ja-JP" altLang="en-US" dirty="0"/>
+              <a:t>フロントエンドとバックエンドの意識合わせが甘かった。</a:t>
+            </a:r>
+            <a:endParaRPr kumimoji="1" lang="en-US" altLang="ja-JP" dirty="0"/>
+          </a:p>
+          <a:p>
+            <a:r>
+              <a:rPr lang="ja-JP" altLang="en-US" dirty="0"/>
+              <a:t>仕様書の完全性が損なわれていた。</a:t>
+            </a:r>
+            <a:endParaRPr kumimoji="1" lang="ja-JP" altLang="en-US" dirty="0"/>
+          </a:p>
+        </p:txBody>
+      </p:sp>
+    </p:spTree>
+    <p:extLst>
+      <p:ext uri="{BB962C8B-B14F-4D97-AF65-F5344CB8AC3E}">
+        <p14:creationId xmlns:p14="http://schemas.microsoft.com/office/powerpoint/2010/main" val="2316929518"/>
+      </p:ext>
+    </p:extLst>
+  </p:cSld>
+  <p:clrMapOvr>
+    <a:masterClrMapping/>
+  </p:clrMapOvr>
+</p:sld>
+</file>
+
+<file path=ppt/slides/slide8.xml><?xml version="1.0" encoding="utf-8"?>
+<p:sld xmlns:a="http://schemas.openxmlformats.org/drawingml/2006/main" xmlns:r="http://schemas.openxmlformats.org/officeDocument/2006/relationships" xmlns:p="http://schemas.openxmlformats.org/presentationml/2006/main">
+  <p:cSld>
+    <p:spTree>
+      <p:nvGrpSpPr>
+        <p:cNvPr id="1" name=""/>
+        <p:cNvGrpSpPr/>
+        <p:nvPr/>
+      </p:nvGrpSpPr>
+      <p:grpSpPr>
+        <a:xfrm>
+          <a:off x="0" y="0"/>
+          <a:ext cx="0" cy="0"/>
+          <a:chOff x="0" y="0"/>
+          <a:chExt cx="0" cy="0"/>
+        </a:xfrm>
+      </p:grpSpPr>
+      <p:sp>
+        <p:nvSpPr>
+          <p:cNvPr id="2" name="タイトル 1">
+            <a:extLst>
+              <a:ext uri="{FF2B5EF4-FFF2-40B4-BE49-F238E27FC236}">
                 <a16:creationId xmlns:a16="http://schemas.microsoft.com/office/drawing/2014/main" id="{55F67B16-076B-D343-918F-A087FDD4BD64}"/>
               </a:ext>
             </a:extLst>
